--- a/Avant-projet/Présentation1.pptx
+++ b/Avant-projet/Présentation1.pptx
@@ -6,10 +6,13 @@
   </p:sldMasterIdLst>
   <p:sldIdLst>
     <p:sldId id="256" r:id="rId2"/>
-    <p:sldId id="257" r:id="rId3"/>
-    <p:sldId id="258" r:id="rId4"/>
-    <p:sldId id="260" r:id="rId5"/>
-    <p:sldId id="259" r:id="rId6"/>
+    <p:sldId id="263" r:id="rId3"/>
+    <p:sldId id="257" r:id="rId4"/>
+    <p:sldId id="258" r:id="rId5"/>
+    <p:sldId id="260" r:id="rId6"/>
+    <p:sldId id="259" r:id="rId7"/>
+    <p:sldId id="261" r:id="rId8"/>
+    <p:sldId id="262" r:id="rId9"/>
   </p:sldIdLst>
   <p:sldSz cx="12192000" cy="6858000"/>
   <p:notesSz cx="6858000" cy="9144000"/>
@@ -108,6 +111,11 @@
       </a:defRPr>
     </a:lvl9pPr>
   </p:defaultTextStyle>
+  <p:extLst>
+    <p:ext uri="{EFAFB233-063F-42B5-8137-9DF3F51BA10A}">
+      <p15:sldGuideLst xmlns:p15="http://schemas.microsoft.com/office/powerpoint/2012/main"/>
+    </p:ext>
+  </p:extLst>
 </p:presentation>
 </file>
 
@@ -5849,40 +5857,6 @@
       </p:grpSpPr>
       <p:sp>
         <p:nvSpPr>
-          <p:cNvPr id="2" name="Titre 1"/>
-          <p:cNvSpPr>
-            <a:spLocks noGrp="1"/>
-          </p:cNvSpPr>
-          <p:nvPr>
-            <p:ph type="title"/>
-          </p:nvPr>
-        </p:nvSpPr>
-        <p:spPr>
-          <a:xfrm>
-            <a:off x="3369275" y="811741"/>
-            <a:ext cx="6663951" cy="1245660"/>
-          </a:xfrm>
-        </p:spPr>
-        <p:txBody>
-          <a:bodyPr/>
-          <a:lstStyle/>
-          <a:p>
-            <a:r>
-              <a:rPr lang="fr-FR" b="1" u="sng" dirty="0" smtClean="0">
-                <a:latin typeface="MV Boli" panose="02000500030200090000" pitchFamily="2" charset="0"/>
-                <a:cs typeface="MV Boli" panose="02000500030200090000" pitchFamily="2" charset="0"/>
-              </a:rPr>
-              <a:t>Définition du projet</a:t>
-            </a:r>
-            <a:endParaRPr lang="fr-FR" b="1" u="sng" dirty="0">
-              <a:latin typeface="MV Boli" panose="02000500030200090000" pitchFamily="2" charset="0"/>
-              <a:cs typeface="MV Boli" panose="02000500030200090000" pitchFamily="2" charset="0"/>
-            </a:endParaRPr>
-          </a:p>
-        </p:txBody>
-      </p:sp>
-      <p:sp>
-        <p:nvSpPr>
           <p:cNvPr id="3" name="Espace réservé du contenu 2"/>
           <p:cNvSpPr>
             <a:spLocks noGrp="1"/>
@@ -5902,9 +5876,14 @@
               </a:lnSpc>
             </a:pPr>
             <a:r>
-              <a:rPr lang="fr-FR" dirty="0" smtClean="0"/>
-              <a:t>Jeu multijoueur</a:t>
-            </a:r>
+              <a:rPr lang="fr-FR" b="1" dirty="0"/>
+              <a:t>Jérôme </a:t>
+            </a:r>
+            <a:r>
+              <a:rPr lang="fr-FR" b="1" dirty="0" err="1" smtClean="0"/>
+              <a:t>Tea</a:t>
+            </a:r>
+            <a:endParaRPr lang="fr-FR" b="1" dirty="0"/>
           </a:p>
           <a:p>
             <a:pPr>
@@ -5914,7 +5893,7 @@
             </a:pPr>
             <a:r>
               <a:rPr lang="fr-FR" dirty="0" smtClean="0"/>
-              <a:t>Jeu mobile</a:t>
+              <a:t>Thibaud Duval</a:t>
             </a:r>
           </a:p>
           <a:p>
@@ -5925,7 +5904,7 @@
             </a:pPr>
             <a:r>
               <a:rPr lang="fr-FR" dirty="0" smtClean="0"/>
-              <a:t>Jeu de survie</a:t>
+              <a:t>Léo Stefani</a:t>
             </a:r>
           </a:p>
           <a:p>
@@ -5936,7 +5915,7 @@
             </a:pPr>
             <a:r>
               <a:rPr lang="fr-FR" dirty="0" smtClean="0"/>
-              <a:t>Différents modes de jeux</a:t>
+              <a:t>Antonin Charrier</a:t>
             </a:r>
             <a:endParaRPr lang="fr-FR" dirty="0"/>
           </a:p>
@@ -5947,7 +5926,7 @@
       </p:sp>
       <p:pic>
         <p:nvPicPr>
-          <p:cNvPr id="4" name="Image 3"/>
+          <p:cNvPr id="6" name="Image 5"/>
           <p:cNvPicPr>
             <a:picLocks noChangeAspect="1"/>
           </p:cNvPicPr>
@@ -5967,8 +5946,162 @@
         </p:blipFill>
         <p:spPr>
           <a:xfrm>
-            <a:off x="10675778" y="473652"/>
-            <a:ext cx="1352481" cy="1583749"/>
+            <a:off x="0" y="0"/>
+            <a:ext cx="5143500" cy="6858000"/>
+          </a:xfrm>
+          <a:prstGeom prst="rect">
+            <a:avLst/>
+          </a:prstGeom>
+        </p:spPr>
+      </p:pic>
+      <p:pic>
+        <p:nvPicPr>
+          <p:cNvPr id="8" name="Image 7"/>
+          <p:cNvPicPr>
+            <a:picLocks noChangeAspect="1"/>
+          </p:cNvPicPr>
+          <p:nvPr/>
+        </p:nvPicPr>
+        <p:blipFill>
+          <a:blip r:embed="rId3">
+            <a:extLst>
+              <a:ext uri="{28A0092B-C50C-407E-A947-70E740481C1C}">
+                <a14:useLocalDpi xmlns:a14="http://schemas.microsoft.com/office/drawing/2010/main" val="0"/>
+              </a:ext>
+            </a:extLst>
+          </a:blip>
+          <a:stretch>
+            <a:fillRect/>
+          </a:stretch>
+        </p:blipFill>
+        <p:spPr>
+          <a:xfrm>
+            <a:off x="0" y="362464"/>
+            <a:ext cx="6308935" cy="6318422"/>
+          </a:xfrm>
+          <a:prstGeom prst="rect">
+            <a:avLst/>
+          </a:prstGeom>
+        </p:spPr>
+      </p:pic>
+      <p:pic>
+        <p:nvPicPr>
+          <p:cNvPr id="9" name="Image 8"/>
+          <p:cNvPicPr>
+            <a:picLocks noChangeAspect="1"/>
+          </p:cNvPicPr>
+          <p:nvPr/>
+        </p:nvPicPr>
+        <p:blipFill>
+          <a:blip r:embed="rId4">
+            <a:extLst>
+              <a:ext uri="{28A0092B-C50C-407E-A947-70E740481C1C}">
+                <a14:useLocalDpi xmlns:a14="http://schemas.microsoft.com/office/drawing/2010/main" val="0"/>
+              </a:ext>
+            </a:extLst>
+          </a:blip>
+          <a:stretch>
+            <a:fillRect/>
+          </a:stretch>
+        </p:blipFill>
+        <p:spPr>
+          <a:xfrm>
+            <a:off x="-1" y="0"/>
+            <a:ext cx="5758249" cy="6852653"/>
+          </a:xfrm>
+          <a:prstGeom prst="rect">
+            <a:avLst/>
+          </a:prstGeom>
+        </p:spPr>
+      </p:pic>
+      <p:pic>
+        <p:nvPicPr>
+          <p:cNvPr id="10" name="Image 9"/>
+          <p:cNvPicPr>
+            <a:picLocks noChangeAspect="1"/>
+          </p:cNvPicPr>
+          <p:nvPr/>
+        </p:nvPicPr>
+        <p:blipFill>
+          <a:blip r:embed="rId5">
+            <a:extLst>
+              <a:ext uri="{28A0092B-C50C-407E-A947-70E740481C1C}">
+                <a14:useLocalDpi xmlns:a14="http://schemas.microsoft.com/office/drawing/2010/main" val="0"/>
+              </a:ext>
+            </a:extLst>
+          </a:blip>
+          <a:stretch>
+            <a:fillRect/>
+          </a:stretch>
+        </p:blipFill>
+        <p:spPr>
+          <a:xfrm>
+            <a:off x="22281" y="-1"/>
+            <a:ext cx="6888437" cy="6852653"/>
+          </a:xfrm>
+          <a:prstGeom prst="rect">
+            <a:avLst/>
+          </a:prstGeom>
+        </p:spPr>
+      </p:pic>
+      <p:sp>
+        <p:nvSpPr>
+          <p:cNvPr id="2" name="Titre 1"/>
+          <p:cNvSpPr>
+            <a:spLocks noGrp="1"/>
+          </p:cNvSpPr>
+          <p:nvPr>
+            <p:ph type="title"/>
+          </p:nvPr>
+        </p:nvSpPr>
+        <p:spPr>
+          <a:xfrm>
+            <a:off x="4842249" y="745141"/>
+            <a:ext cx="6663951" cy="1245660"/>
+          </a:xfrm>
+        </p:spPr>
+        <p:txBody>
+          <a:bodyPr/>
+          <a:lstStyle/>
+          <a:p>
+            <a:r>
+              <a:rPr lang="fr-FR" b="1" u="sng" dirty="0" smtClean="0">
+                <a:latin typeface="MV Boli" panose="02000500030200090000" pitchFamily="2" charset="0"/>
+                <a:cs typeface="MV Boli" panose="02000500030200090000" pitchFamily="2" charset="0"/>
+              </a:rPr>
+              <a:t>Equipe</a:t>
+            </a:r>
+            <a:endParaRPr lang="fr-FR" b="1" u="sng" dirty="0">
+              <a:latin typeface="MV Boli" panose="02000500030200090000" pitchFamily="2" charset="0"/>
+              <a:cs typeface="MV Boli" panose="02000500030200090000" pitchFamily="2" charset="0"/>
+            </a:endParaRPr>
+          </a:p>
+        </p:txBody>
+      </p:sp>
+      <p:pic>
+        <p:nvPicPr>
+          <p:cNvPr id="4" name="Image 3"/>
+          <p:cNvPicPr>
+            <a:picLocks noChangeAspect="1"/>
+          </p:cNvPicPr>
+          <p:nvPr/>
+        </p:nvPicPr>
+        <p:blipFill>
+          <a:blip r:embed="rId6">
+            <a:extLst>
+              <a:ext uri="{28A0092B-C50C-407E-A947-70E740481C1C}">
+                <a14:useLocalDpi xmlns:a14="http://schemas.microsoft.com/office/drawing/2010/main" val="0"/>
+              </a:ext>
+            </a:extLst>
+          </a:blip>
+          <a:stretch>
+            <a:fillRect/>
+          </a:stretch>
+        </p:blipFill>
+        <p:spPr>
+          <a:xfrm>
+            <a:off x="8775586" y="2194560"/>
+            <a:ext cx="2730614" cy="3197536"/>
           </a:xfrm>
           <a:prstGeom prst="rect">
             <a:avLst/>
@@ -5978,7 +6111,7 @@
     </p:spTree>
     <p:extLst>
       <p:ext uri="{BB962C8B-B14F-4D97-AF65-F5344CB8AC3E}">
-        <p14:creationId xmlns:p14="http://schemas.microsoft.com/office/powerpoint/2010/main" val="436857365"/>
+        <p14:creationId xmlns:p14="http://schemas.microsoft.com/office/powerpoint/2010/main" val="1506217715"/>
       </p:ext>
     </p:extLst>
   </p:cSld>
@@ -5988,7 +6121,390 @@
   <p:timing>
     <p:tnLst>
       <p:par>
-        <p:cTn id="1" dur="indefinite" restart="never" nodeType="tmRoot"/>
+        <p:cTn id="1" dur="indefinite" restart="never" nodeType="tmRoot">
+          <p:childTnLst>
+            <p:seq concurrent="1" nextAc="seek">
+              <p:cTn id="2" dur="indefinite" nodeType="mainSeq">
+                <p:childTnLst>
+                  <p:par>
+                    <p:cTn id="3" fill="hold">
+                      <p:stCondLst>
+                        <p:cond delay="indefinite"/>
+                      </p:stCondLst>
+                      <p:childTnLst>
+                        <p:par>
+                          <p:cTn id="4" fill="hold">
+                            <p:stCondLst>
+                              <p:cond delay="0"/>
+                            </p:stCondLst>
+                            <p:childTnLst>
+                              <p:par>
+                                <p:cTn id="5" presetID="1" presetClass="entr" presetSubtype="0" fill="hold" nodeType="clickEffect">
+                                  <p:stCondLst>
+                                    <p:cond delay="0"/>
+                                  </p:stCondLst>
+                                  <p:childTnLst>
+                                    <p:set>
+                                      <p:cBhvr>
+                                        <p:cTn id="6" dur="1" fill="hold">
+                                          <p:stCondLst>
+                                            <p:cond delay="0"/>
+                                          </p:stCondLst>
+                                        </p:cTn>
+                                        <p:tgtEl>
+                                          <p:spTgt spid="6"/>
+                                        </p:tgtEl>
+                                        <p:attrNameLst>
+                                          <p:attrName>style.visibility</p:attrName>
+                                        </p:attrNameLst>
+                                      </p:cBhvr>
+                                      <p:to>
+                                        <p:strVal val="visible"/>
+                                      </p:to>
+                                    </p:set>
+                                  </p:childTnLst>
+                                </p:cTn>
+                              </p:par>
+                            </p:childTnLst>
+                          </p:cTn>
+                        </p:par>
+                      </p:childTnLst>
+                    </p:cTn>
+                  </p:par>
+                  <p:par>
+                    <p:cTn id="7" fill="hold">
+                      <p:stCondLst>
+                        <p:cond delay="indefinite"/>
+                      </p:stCondLst>
+                      <p:childTnLst>
+                        <p:par>
+                          <p:cTn id="8" fill="hold">
+                            <p:stCondLst>
+                              <p:cond delay="0"/>
+                            </p:stCondLst>
+                            <p:childTnLst>
+                              <p:par>
+                                <p:cTn id="9" presetID="1" presetClass="exit" presetSubtype="0" fill="hold" nodeType="clickEffect">
+                                  <p:stCondLst>
+                                    <p:cond delay="0"/>
+                                  </p:stCondLst>
+                                  <p:childTnLst>
+                                    <p:set>
+                                      <p:cBhvr>
+                                        <p:cTn id="10" dur="1" fill="hold">
+                                          <p:stCondLst>
+                                            <p:cond delay="0"/>
+                                          </p:stCondLst>
+                                        </p:cTn>
+                                        <p:tgtEl>
+                                          <p:spTgt spid="6"/>
+                                        </p:tgtEl>
+                                        <p:attrNameLst>
+                                          <p:attrName>style.visibility</p:attrName>
+                                        </p:attrNameLst>
+                                      </p:cBhvr>
+                                      <p:to>
+                                        <p:strVal val="hidden"/>
+                                      </p:to>
+                                    </p:set>
+                                  </p:childTnLst>
+                                </p:cTn>
+                              </p:par>
+                            </p:childTnLst>
+                          </p:cTn>
+                        </p:par>
+                      </p:childTnLst>
+                    </p:cTn>
+                  </p:par>
+                  <p:par>
+                    <p:cTn id="11" fill="hold">
+                      <p:stCondLst>
+                        <p:cond delay="indefinite"/>
+                      </p:stCondLst>
+                      <p:childTnLst>
+                        <p:par>
+                          <p:cTn id="12" fill="hold">
+                            <p:stCondLst>
+                              <p:cond delay="0"/>
+                            </p:stCondLst>
+                            <p:childTnLst>
+                              <p:par>
+                                <p:cTn id="13" presetID="1" presetClass="entr" presetSubtype="0" fill="hold" nodeType="clickEffect">
+                                  <p:stCondLst>
+                                    <p:cond delay="0"/>
+                                  </p:stCondLst>
+                                  <p:childTnLst>
+                                    <p:set>
+                                      <p:cBhvr>
+                                        <p:cTn id="14" dur="1" fill="hold">
+                                          <p:stCondLst>
+                                            <p:cond delay="0"/>
+                                          </p:stCondLst>
+                                        </p:cTn>
+                                        <p:tgtEl>
+                                          <p:spTgt spid="8"/>
+                                        </p:tgtEl>
+                                        <p:attrNameLst>
+                                          <p:attrName>style.visibility</p:attrName>
+                                        </p:attrNameLst>
+                                      </p:cBhvr>
+                                      <p:to>
+                                        <p:strVal val="visible"/>
+                                      </p:to>
+                                    </p:set>
+                                  </p:childTnLst>
+                                </p:cTn>
+                              </p:par>
+                            </p:childTnLst>
+                          </p:cTn>
+                        </p:par>
+                      </p:childTnLst>
+                    </p:cTn>
+                  </p:par>
+                  <p:par>
+                    <p:cTn id="15" fill="hold">
+                      <p:stCondLst>
+                        <p:cond delay="indefinite"/>
+                      </p:stCondLst>
+                      <p:childTnLst>
+                        <p:par>
+                          <p:cTn id="16" fill="hold">
+                            <p:stCondLst>
+                              <p:cond delay="0"/>
+                            </p:stCondLst>
+                            <p:childTnLst>
+                              <p:par>
+                                <p:cTn id="17" presetID="1" presetClass="exit" presetSubtype="0" fill="hold" nodeType="clickEffect">
+                                  <p:stCondLst>
+                                    <p:cond delay="0"/>
+                                  </p:stCondLst>
+                                  <p:childTnLst>
+                                    <p:set>
+                                      <p:cBhvr>
+                                        <p:cTn id="18" dur="1" fill="hold">
+                                          <p:stCondLst>
+                                            <p:cond delay="0"/>
+                                          </p:stCondLst>
+                                        </p:cTn>
+                                        <p:tgtEl>
+                                          <p:spTgt spid="8"/>
+                                        </p:tgtEl>
+                                        <p:attrNameLst>
+                                          <p:attrName>style.visibility</p:attrName>
+                                        </p:attrNameLst>
+                                      </p:cBhvr>
+                                      <p:to>
+                                        <p:strVal val="hidden"/>
+                                      </p:to>
+                                    </p:set>
+                                  </p:childTnLst>
+                                </p:cTn>
+                              </p:par>
+                            </p:childTnLst>
+                          </p:cTn>
+                        </p:par>
+                      </p:childTnLst>
+                    </p:cTn>
+                  </p:par>
+                  <p:par>
+                    <p:cTn id="19" fill="hold">
+                      <p:stCondLst>
+                        <p:cond delay="indefinite"/>
+                      </p:stCondLst>
+                      <p:childTnLst>
+                        <p:par>
+                          <p:cTn id="20" fill="hold">
+                            <p:stCondLst>
+                              <p:cond delay="0"/>
+                            </p:stCondLst>
+                            <p:childTnLst>
+                              <p:par>
+                                <p:cTn id="21" presetID="1" presetClass="entr" presetSubtype="0" fill="hold" nodeType="clickEffect">
+                                  <p:stCondLst>
+                                    <p:cond delay="0"/>
+                                  </p:stCondLst>
+                                  <p:childTnLst>
+                                    <p:set>
+                                      <p:cBhvr>
+                                        <p:cTn id="22" dur="1" fill="hold">
+                                          <p:stCondLst>
+                                            <p:cond delay="0"/>
+                                          </p:stCondLst>
+                                        </p:cTn>
+                                        <p:tgtEl>
+                                          <p:spTgt spid="9"/>
+                                        </p:tgtEl>
+                                        <p:attrNameLst>
+                                          <p:attrName>style.visibility</p:attrName>
+                                        </p:attrNameLst>
+                                      </p:cBhvr>
+                                      <p:to>
+                                        <p:strVal val="visible"/>
+                                      </p:to>
+                                    </p:set>
+                                  </p:childTnLst>
+                                </p:cTn>
+                              </p:par>
+                            </p:childTnLst>
+                          </p:cTn>
+                        </p:par>
+                      </p:childTnLst>
+                    </p:cTn>
+                  </p:par>
+                  <p:par>
+                    <p:cTn id="23" fill="hold">
+                      <p:stCondLst>
+                        <p:cond delay="indefinite"/>
+                      </p:stCondLst>
+                      <p:childTnLst>
+                        <p:par>
+                          <p:cTn id="24" fill="hold">
+                            <p:stCondLst>
+                              <p:cond delay="0"/>
+                            </p:stCondLst>
+                            <p:childTnLst>
+                              <p:par>
+                                <p:cTn id="25" presetID="1" presetClass="exit" presetSubtype="0" fill="hold" nodeType="clickEffect">
+                                  <p:stCondLst>
+                                    <p:cond delay="0"/>
+                                  </p:stCondLst>
+                                  <p:childTnLst>
+                                    <p:set>
+                                      <p:cBhvr>
+                                        <p:cTn id="26" dur="1" fill="hold">
+                                          <p:stCondLst>
+                                            <p:cond delay="0"/>
+                                          </p:stCondLst>
+                                        </p:cTn>
+                                        <p:tgtEl>
+                                          <p:spTgt spid="9"/>
+                                        </p:tgtEl>
+                                        <p:attrNameLst>
+                                          <p:attrName>style.visibility</p:attrName>
+                                        </p:attrNameLst>
+                                      </p:cBhvr>
+                                      <p:to>
+                                        <p:strVal val="hidden"/>
+                                      </p:to>
+                                    </p:set>
+                                  </p:childTnLst>
+                                </p:cTn>
+                              </p:par>
+                            </p:childTnLst>
+                          </p:cTn>
+                        </p:par>
+                      </p:childTnLst>
+                    </p:cTn>
+                  </p:par>
+                  <p:par>
+                    <p:cTn id="27" fill="hold">
+                      <p:stCondLst>
+                        <p:cond delay="indefinite"/>
+                      </p:stCondLst>
+                      <p:childTnLst>
+                        <p:par>
+                          <p:cTn id="28" fill="hold">
+                            <p:stCondLst>
+                              <p:cond delay="0"/>
+                            </p:stCondLst>
+                            <p:childTnLst>
+                              <p:par>
+                                <p:cTn id="29" presetID="1" presetClass="entr" presetSubtype="0" fill="hold" nodeType="clickEffect">
+                                  <p:stCondLst>
+                                    <p:cond delay="0"/>
+                                  </p:stCondLst>
+                                  <p:childTnLst>
+                                    <p:set>
+                                      <p:cBhvr>
+                                        <p:cTn id="30" dur="1" fill="hold">
+                                          <p:stCondLst>
+                                            <p:cond delay="0"/>
+                                          </p:stCondLst>
+                                        </p:cTn>
+                                        <p:tgtEl>
+                                          <p:spTgt spid="10"/>
+                                        </p:tgtEl>
+                                        <p:attrNameLst>
+                                          <p:attrName>style.visibility</p:attrName>
+                                        </p:attrNameLst>
+                                      </p:cBhvr>
+                                      <p:to>
+                                        <p:strVal val="visible"/>
+                                      </p:to>
+                                    </p:set>
+                                  </p:childTnLst>
+                                </p:cTn>
+                              </p:par>
+                            </p:childTnLst>
+                          </p:cTn>
+                        </p:par>
+                      </p:childTnLst>
+                    </p:cTn>
+                  </p:par>
+                  <p:par>
+                    <p:cTn id="31" fill="hold">
+                      <p:stCondLst>
+                        <p:cond delay="indefinite"/>
+                      </p:stCondLst>
+                      <p:childTnLst>
+                        <p:par>
+                          <p:cTn id="32" fill="hold">
+                            <p:stCondLst>
+                              <p:cond delay="0"/>
+                            </p:stCondLst>
+                            <p:childTnLst>
+                              <p:par>
+                                <p:cTn id="33" presetID="1" presetClass="exit" presetSubtype="0" fill="hold" nodeType="clickEffect">
+                                  <p:stCondLst>
+                                    <p:cond delay="0"/>
+                                  </p:stCondLst>
+                                  <p:childTnLst>
+                                    <p:set>
+                                      <p:cBhvr>
+                                        <p:cTn id="34" dur="1" fill="hold">
+                                          <p:stCondLst>
+                                            <p:cond delay="0"/>
+                                          </p:stCondLst>
+                                        </p:cTn>
+                                        <p:tgtEl>
+                                          <p:spTgt spid="10"/>
+                                        </p:tgtEl>
+                                        <p:attrNameLst>
+                                          <p:attrName>style.visibility</p:attrName>
+                                        </p:attrNameLst>
+                                      </p:cBhvr>
+                                      <p:to>
+                                        <p:strVal val="hidden"/>
+                                      </p:to>
+                                    </p:set>
+                                  </p:childTnLst>
+                                </p:cTn>
+                              </p:par>
+                            </p:childTnLst>
+                          </p:cTn>
+                        </p:par>
+                      </p:childTnLst>
+                    </p:cTn>
+                  </p:par>
+                </p:childTnLst>
+              </p:cTn>
+              <p:prevCondLst>
+                <p:cond evt="onPrev" delay="0">
+                  <p:tgtEl>
+                    <p:sldTgt/>
+                  </p:tgtEl>
+                </p:cond>
+              </p:prevCondLst>
+              <p:nextCondLst>
+                <p:cond evt="onNext" delay="0">
+                  <p:tgtEl>
+                    <p:sldTgt/>
+                  </p:tgtEl>
+                </p:cond>
+              </p:nextCondLst>
+            </p:seq>
+          </p:childTnLst>
+        </p:cTn>
       </p:par>
     </p:tnLst>
   </p:timing>
@@ -6024,8 +6540,8 @@
         </p:nvSpPr>
         <p:spPr>
           <a:xfrm>
-            <a:off x="3196281" y="811741"/>
-            <a:ext cx="6836945" cy="1245660"/>
+            <a:off x="3369275" y="811741"/>
+            <a:ext cx="6663951" cy="1245660"/>
           </a:xfrm>
         </p:spPr>
         <p:txBody>
@@ -6037,7 +6553,7 @@
                 <a:latin typeface="MV Boli" panose="02000500030200090000" pitchFamily="2" charset="0"/>
                 <a:cs typeface="MV Boli" panose="02000500030200090000" pitchFamily="2" charset="0"/>
               </a:rPr>
-              <a:t>Technologies utilisées</a:t>
+              <a:t>Définition du projet</a:t>
             </a:r>
             <a:endParaRPr lang="fr-FR" b="1" u="sng" dirty="0">
               <a:latin typeface="MV Boli" panose="02000500030200090000" pitchFamily="2" charset="0"/>
@@ -6058,115 +6574,52 @@
         </p:nvSpPr>
         <p:spPr/>
         <p:txBody>
-          <a:bodyPr>
-            <a:normAutofit fontScale="92500" lnSpcReduction="10000"/>
-          </a:bodyPr>
+          <a:bodyPr/>
           <a:lstStyle/>
           <a:p>
             <a:pPr>
               <a:lnSpc>
-                <a:spcPct val="150000"/>
+                <a:spcPct val="250000"/>
               </a:lnSpc>
             </a:pPr>
             <a:r>
               <a:rPr lang="fr-FR" dirty="0" smtClean="0"/>
-              <a:t>Bluetooth (multijoueur)</a:t>
+              <a:t>Jeu multijoueur</a:t>
             </a:r>
           </a:p>
           <a:p>
             <a:pPr>
               <a:lnSpc>
-                <a:spcPct val="150000"/>
+                <a:spcPct val="250000"/>
               </a:lnSpc>
             </a:pPr>
             <a:r>
               <a:rPr lang="fr-FR" dirty="0" smtClean="0"/>
-              <a:t>Android (plateforme)</a:t>
+              <a:t>Jeu mobile</a:t>
             </a:r>
           </a:p>
           <a:p>
             <a:pPr>
               <a:lnSpc>
-                <a:spcPct val="150000"/>
+                <a:spcPct val="250000"/>
               </a:lnSpc>
             </a:pPr>
             <a:r>
               <a:rPr lang="fr-FR" dirty="0" smtClean="0"/>
-              <a:t>Unity3D (outil de Dev)</a:t>
+              <a:t>Jeu de survie</a:t>
             </a:r>
           </a:p>
           <a:p>
             <a:pPr>
               <a:lnSpc>
-                <a:spcPct val="150000"/>
+                <a:spcPct val="250000"/>
               </a:lnSpc>
             </a:pPr>
             <a:r>
-              <a:rPr lang="fr-FR" dirty="0" err="1" smtClean="0"/>
-              <a:t>StrangeIoC</a:t>
-            </a:r>
-            <a:r>
               <a:rPr lang="fr-FR" dirty="0" smtClean="0"/>
-              <a:t> (conteneur d’ID)</a:t>
+              <a:t>Différents modes de jeux</a:t>
             </a:r>
             <a:endParaRPr lang="fr-FR" dirty="0"/>
-          </a:p>
-          <a:p>
-            <a:pPr>
-              <a:lnSpc>
-                <a:spcPct val="150000"/>
-              </a:lnSpc>
-            </a:pPr>
-            <a:r>
-              <a:rPr lang="fr-FR" dirty="0" smtClean="0"/>
-              <a:t>Git (stockage)</a:t>
-            </a:r>
-          </a:p>
-          <a:p>
-            <a:pPr>
-              <a:lnSpc>
-                <a:spcPct val="150000"/>
-              </a:lnSpc>
-            </a:pPr>
-            <a:r>
-              <a:rPr lang="fr-FR" dirty="0" err="1" smtClean="0"/>
-              <a:t>Trello</a:t>
-            </a:r>
-            <a:r>
-              <a:rPr lang="fr-FR" dirty="0" smtClean="0"/>
-              <a:t> (</a:t>
-            </a:r>
-            <a:r>
-              <a:rPr lang="fr-FR" dirty="0" err="1"/>
-              <a:t>b</a:t>
-            </a:r>
-            <a:r>
-              <a:rPr lang="fr-FR" dirty="0" err="1" smtClean="0"/>
-              <a:t>oard</a:t>
-            </a:r>
-            <a:r>
-              <a:rPr lang="fr-FR" dirty="0" smtClean="0"/>
-              <a:t>)</a:t>
-            </a:r>
-          </a:p>
-          <a:p>
-            <a:pPr>
-              <a:lnSpc>
-                <a:spcPct val="150000"/>
-              </a:lnSpc>
-            </a:pPr>
-            <a:r>
-              <a:rPr lang="fr-FR" dirty="0" smtClean="0"/>
-              <a:t>C# (</a:t>
-            </a:r>
-            <a:r>
-              <a:rPr lang="fr-FR" dirty="0" err="1" smtClean="0"/>
-              <a:t>Language</a:t>
-            </a:r>
-            <a:r>
-              <a:rPr lang="fr-FR" dirty="0" smtClean="0"/>
-              <a:t> POO)</a:t>
-            </a:r>
           </a:p>
           <a:p>
             <a:endParaRPr lang="fr-FR" dirty="0" smtClean="0"/>
@@ -6195,8 +6648,8 @@
         </p:blipFill>
         <p:spPr>
           <a:xfrm>
-            <a:off x="10675778" y="473652"/>
-            <a:ext cx="1352481" cy="1583749"/>
+            <a:off x="8775586" y="2194560"/>
+            <a:ext cx="2730614" cy="3197536"/>
           </a:xfrm>
           <a:prstGeom prst="rect">
             <a:avLst/>
@@ -6206,7 +6659,7 @@
     </p:spTree>
     <p:extLst>
       <p:ext uri="{BB962C8B-B14F-4D97-AF65-F5344CB8AC3E}">
-        <p14:creationId xmlns:p14="http://schemas.microsoft.com/office/powerpoint/2010/main" val="2094553397"/>
+        <p14:creationId xmlns:p14="http://schemas.microsoft.com/office/powerpoint/2010/main" val="436857365"/>
       </p:ext>
     </p:extLst>
   </p:cSld>
@@ -6252,8 +6705,8 @@
         </p:nvSpPr>
         <p:spPr>
           <a:xfrm>
-            <a:off x="3369275" y="811741"/>
-            <a:ext cx="6663951" cy="1245660"/>
+            <a:off x="3196281" y="811741"/>
+            <a:ext cx="6836945" cy="1245660"/>
           </a:xfrm>
         </p:spPr>
         <p:txBody>
@@ -6265,7 +6718,7 @@
                 <a:latin typeface="MV Boli" panose="02000500030200090000" pitchFamily="2" charset="0"/>
                 <a:cs typeface="MV Boli" panose="02000500030200090000" pitchFamily="2" charset="0"/>
               </a:rPr>
-              <a:t>Mécanique de jeu</a:t>
+              <a:t>Technologies utilisées</a:t>
             </a:r>
             <a:endParaRPr lang="fr-FR" b="1" u="sng" dirty="0">
               <a:latin typeface="MV Boli" panose="02000500030200090000" pitchFamily="2" charset="0"/>
@@ -6286,48 +6739,131 @@
         </p:nvSpPr>
         <p:spPr/>
         <p:txBody>
-          <a:bodyPr/>
+          <a:bodyPr>
+            <a:normAutofit fontScale="85000" lnSpcReduction="20000"/>
+          </a:bodyPr>
           <a:lstStyle/>
           <a:p>
+            <a:pPr>
+              <a:lnSpc>
+                <a:spcPct val="150000"/>
+              </a:lnSpc>
+            </a:pPr>
             <a:r>
               <a:rPr lang="fr-FR" dirty="0" smtClean="0"/>
-              <a:t>Mode solo</a:t>
-            </a:r>
-          </a:p>
-          <a:p>
+              <a:t>Bluetooth (multijoueur)</a:t>
+            </a:r>
+          </a:p>
+          <a:p>
+            <a:pPr>
+              <a:lnSpc>
+                <a:spcPct val="150000"/>
+              </a:lnSpc>
+            </a:pPr>
             <a:r>
               <a:rPr lang="fr-FR" dirty="0" smtClean="0"/>
-              <a:t>Mode multijoueur</a:t>
-            </a:r>
-          </a:p>
-          <a:p>
-            <a:pPr lvl="1"/>
+              <a:t>Android (plateforme)</a:t>
+            </a:r>
+          </a:p>
+          <a:p>
+            <a:pPr>
+              <a:lnSpc>
+                <a:spcPct val="150000"/>
+              </a:lnSpc>
+            </a:pPr>
             <a:r>
               <a:rPr lang="fr-FR" dirty="0" smtClean="0"/>
-              <a:t>Mode </a:t>
-            </a:r>
+              <a:t>Unity3D (outil de Dev)</a:t>
+            </a:r>
+          </a:p>
+          <a:p>
+            <a:pPr>
+              <a:lnSpc>
+                <a:spcPct val="150000"/>
+              </a:lnSpc>
+            </a:pPr>
             <a:r>
               <a:rPr lang="fr-FR" dirty="0" err="1" smtClean="0"/>
-              <a:t>co-opération</a:t>
+              <a:t>StrangeIoC</a:t>
+            </a:r>
+            <a:r>
+              <a:rPr lang="fr-FR" dirty="0" smtClean="0"/>
+              <a:t> (conteneur d’ID)</a:t>
+            </a:r>
+            <a:endParaRPr lang="fr-FR" dirty="0"/>
+          </a:p>
+          <a:p>
+            <a:pPr>
+              <a:lnSpc>
+                <a:spcPct val="150000"/>
+              </a:lnSpc>
+            </a:pPr>
+            <a:r>
+              <a:rPr lang="fr-FR" dirty="0" smtClean="0"/>
+              <a:t>Git (stockage</a:t>
+            </a:r>
+            <a:r>
+              <a:rPr lang="fr-FR" dirty="0" smtClean="0"/>
+              <a:t>)</a:t>
+            </a:r>
+          </a:p>
+          <a:p>
+            <a:pPr>
+              <a:lnSpc>
+                <a:spcPct val="150000"/>
+              </a:lnSpc>
+            </a:pPr>
+            <a:r>
+              <a:rPr lang="fr-FR" dirty="0" smtClean="0"/>
+              <a:t>Skype (communication)</a:t>
             </a:r>
             <a:endParaRPr lang="fr-FR" dirty="0" smtClean="0"/>
           </a:p>
           <a:p>
-            <a:pPr lvl="1"/>
+            <a:pPr>
+              <a:lnSpc>
+                <a:spcPct val="150000"/>
+              </a:lnSpc>
+            </a:pPr>
+            <a:r>
+              <a:rPr lang="fr-FR" dirty="0" err="1" smtClean="0"/>
+              <a:t>Trello</a:t>
+            </a:r>
             <a:r>
               <a:rPr lang="fr-FR" dirty="0" smtClean="0"/>
-              <a:t>Mode zombie</a:t>
-            </a:r>
-          </a:p>
-          <a:p>
-            <a:pPr lvl="1"/>
+              <a:t> (</a:t>
+            </a:r>
+            <a:r>
+              <a:rPr lang="fr-FR" dirty="0" err="1"/>
+              <a:t>b</a:t>
+            </a:r>
+            <a:r>
+              <a:rPr lang="fr-FR" dirty="0" err="1" smtClean="0"/>
+              <a:t>oard</a:t>
+            </a:r>
             <a:r>
               <a:rPr lang="fr-FR" dirty="0" smtClean="0"/>
-              <a:t>Mode versus</a:t>
-            </a:r>
-          </a:p>
-          <a:p>
-            <a:endParaRPr lang="fr-FR" dirty="0" smtClean="0"/>
+              <a:t>)</a:t>
+            </a:r>
+          </a:p>
+          <a:p>
+            <a:pPr>
+              <a:lnSpc>
+                <a:spcPct val="150000"/>
+              </a:lnSpc>
+            </a:pPr>
+            <a:r>
+              <a:rPr lang="fr-FR" dirty="0" smtClean="0"/>
+              <a:t>C# (</a:t>
+            </a:r>
+            <a:r>
+              <a:rPr lang="fr-FR" dirty="0" err="1" smtClean="0"/>
+              <a:t>Language</a:t>
+            </a:r>
+            <a:r>
+              <a:rPr lang="fr-FR" dirty="0" smtClean="0"/>
+              <a:t> POO)</a:t>
+            </a:r>
           </a:p>
           <a:p>
             <a:endParaRPr lang="fr-FR" dirty="0" smtClean="0"/>
@@ -6336,7 +6872,7 @@
       </p:sp>
       <p:pic>
         <p:nvPicPr>
-          <p:cNvPr id="4" name="Image 3"/>
+          <p:cNvPr id="5" name="Image 4"/>
           <p:cNvPicPr>
             <a:picLocks noChangeAspect="1"/>
           </p:cNvPicPr>
@@ -6356,8 +6892,8 @@
         </p:blipFill>
         <p:spPr>
           <a:xfrm>
-            <a:off x="10675778" y="473652"/>
-            <a:ext cx="1352481" cy="1583749"/>
+            <a:off x="8775586" y="2194560"/>
+            <a:ext cx="2730614" cy="3197536"/>
           </a:xfrm>
           <a:prstGeom prst="rect">
             <a:avLst/>
@@ -6367,7 +6903,7 @@
     </p:spTree>
     <p:extLst>
       <p:ext uri="{BB962C8B-B14F-4D97-AF65-F5344CB8AC3E}">
-        <p14:creationId xmlns:p14="http://schemas.microsoft.com/office/powerpoint/2010/main" val="1427532303"/>
+        <p14:creationId xmlns:p14="http://schemas.microsoft.com/office/powerpoint/2010/main" val="2094553397"/>
       </p:ext>
     </p:extLst>
   </p:cSld>
@@ -6426,6 +6962,189 @@
                 <a:latin typeface="MV Boli" panose="02000500030200090000" pitchFamily="2" charset="0"/>
                 <a:cs typeface="MV Boli" panose="02000500030200090000" pitchFamily="2" charset="0"/>
               </a:rPr>
+              <a:t>Mécanique de jeu</a:t>
+            </a:r>
+            <a:endParaRPr lang="fr-FR" b="1" u="sng" dirty="0">
+              <a:latin typeface="MV Boli" panose="02000500030200090000" pitchFamily="2" charset="0"/>
+              <a:cs typeface="MV Boli" panose="02000500030200090000" pitchFamily="2" charset="0"/>
+            </a:endParaRPr>
+          </a:p>
+        </p:txBody>
+      </p:sp>
+      <p:sp>
+        <p:nvSpPr>
+          <p:cNvPr id="3" name="Espace réservé du contenu 2"/>
+          <p:cNvSpPr>
+            <a:spLocks noGrp="1"/>
+          </p:cNvSpPr>
+          <p:nvPr>
+            <p:ph idx="1"/>
+          </p:nvPr>
+        </p:nvSpPr>
+        <p:spPr/>
+        <p:txBody>
+          <a:bodyPr/>
+          <a:lstStyle/>
+          <a:p>
+            <a:pPr>
+              <a:lnSpc>
+                <a:spcPct val="200000"/>
+              </a:lnSpc>
+            </a:pPr>
+            <a:r>
+              <a:rPr lang="fr-FR" dirty="0" smtClean="0"/>
+              <a:t>Mode solo</a:t>
+            </a:r>
+          </a:p>
+          <a:p>
+            <a:pPr>
+              <a:lnSpc>
+                <a:spcPct val="200000"/>
+              </a:lnSpc>
+            </a:pPr>
+            <a:r>
+              <a:rPr lang="fr-FR" dirty="0" smtClean="0"/>
+              <a:t>Mode multijoueur</a:t>
+            </a:r>
+          </a:p>
+          <a:p>
+            <a:pPr lvl="1">
+              <a:lnSpc>
+                <a:spcPct val="200000"/>
+              </a:lnSpc>
+            </a:pPr>
+            <a:r>
+              <a:rPr lang="fr-FR" dirty="0" smtClean="0"/>
+              <a:t>Mode </a:t>
+            </a:r>
+            <a:r>
+              <a:rPr lang="fr-FR" dirty="0" err="1" smtClean="0"/>
+              <a:t>co-opération</a:t>
+            </a:r>
+            <a:endParaRPr lang="fr-FR" dirty="0" smtClean="0"/>
+          </a:p>
+          <a:p>
+            <a:pPr lvl="1">
+              <a:lnSpc>
+                <a:spcPct val="200000"/>
+              </a:lnSpc>
+            </a:pPr>
+            <a:r>
+              <a:rPr lang="fr-FR" dirty="0" smtClean="0"/>
+              <a:t>Mode zombie</a:t>
+            </a:r>
+          </a:p>
+          <a:p>
+            <a:pPr lvl="1">
+              <a:lnSpc>
+                <a:spcPct val="200000"/>
+              </a:lnSpc>
+            </a:pPr>
+            <a:r>
+              <a:rPr lang="fr-FR" dirty="0" smtClean="0"/>
+              <a:t>Mode versus</a:t>
+            </a:r>
+          </a:p>
+          <a:p>
+            <a:endParaRPr lang="fr-FR" dirty="0" smtClean="0"/>
+          </a:p>
+          <a:p>
+            <a:endParaRPr lang="fr-FR" dirty="0" smtClean="0"/>
+          </a:p>
+        </p:txBody>
+      </p:sp>
+      <p:pic>
+        <p:nvPicPr>
+          <p:cNvPr id="5" name="Image 4"/>
+          <p:cNvPicPr>
+            <a:picLocks noChangeAspect="1"/>
+          </p:cNvPicPr>
+          <p:nvPr/>
+        </p:nvPicPr>
+        <p:blipFill>
+          <a:blip r:embed="rId2">
+            <a:extLst>
+              <a:ext uri="{28A0092B-C50C-407E-A947-70E740481C1C}">
+                <a14:useLocalDpi xmlns:a14="http://schemas.microsoft.com/office/drawing/2010/main" val="0"/>
+              </a:ext>
+            </a:extLst>
+          </a:blip>
+          <a:stretch>
+            <a:fillRect/>
+          </a:stretch>
+        </p:blipFill>
+        <p:spPr>
+          <a:xfrm>
+            <a:off x="8775586" y="2194560"/>
+            <a:ext cx="2730614" cy="3197536"/>
+          </a:xfrm>
+          <a:prstGeom prst="rect">
+            <a:avLst/>
+          </a:prstGeom>
+        </p:spPr>
+      </p:pic>
+    </p:spTree>
+    <p:extLst>
+      <p:ext uri="{BB962C8B-B14F-4D97-AF65-F5344CB8AC3E}">
+        <p14:creationId xmlns:p14="http://schemas.microsoft.com/office/powerpoint/2010/main" val="1427532303"/>
+      </p:ext>
+    </p:extLst>
+  </p:cSld>
+  <p:clrMapOvr>
+    <a:masterClrMapping/>
+  </p:clrMapOvr>
+  <p:timing>
+    <p:tnLst>
+      <p:par>
+        <p:cTn id="1" dur="indefinite" restart="never" nodeType="tmRoot"/>
+      </p:par>
+    </p:tnLst>
+  </p:timing>
+</p:sld>
+</file>
+
+<file path=ppt/slides/slide6.xml><?xml version="1.0" encoding="utf-8"?>
+<p:sld xmlns:a="http://schemas.openxmlformats.org/drawingml/2006/main" xmlns:r="http://schemas.openxmlformats.org/officeDocument/2006/relationships" xmlns:p="http://schemas.openxmlformats.org/presentationml/2006/main">
+  <p:cSld>
+    <p:spTree>
+      <p:nvGrpSpPr>
+        <p:cNvPr id="1" name=""/>
+        <p:cNvGrpSpPr/>
+        <p:nvPr/>
+      </p:nvGrpSpPr>
+      <p:grpSpPr>
+        <a:xfrm>
+          <a:off x="0" y="0"/>
+          <a:ext cx="0" cy="0"/>
+          <a:chOff x="0" y="0"/>
+          <a:chExt cx="0" cy="0"/>
+        </a:xfrm>
+      </p:grpSpPr>
+      <p:sp>
+        <p:nvSpPr>
+          <p:cNvPr id="2" name="Titre 1"/>
+          <p:cNvSpPr>
+            <a:spLocks noGrp="1"/>
+          </p:cNvSpPr>
+          <p:nvPr>
+            <p:ph type="title"/>
+          </p:nvPr>
+        </p:nvSpPr>
+        <p:spPr>
+          <a:xfrm>
+            <a:off x="3369275" y="811741"/>
+            <a:ext cx="6663951" cy="1245660"/>
+          </a:xfrm>
+        </p:spPr>
+        <p:txBody>
+          <a:bodyPr/>
+          <a:lstStyle/>
+          <a:p>
+            <a:r>
+              <a:rPr lang="fr-FR" b="1" u="sng" dirty="0" smtClean="0">
+                <a:latin typeface="MV Boli" panose="02000500030200090000" pitchFamily="2" charset="0"/>
+                <a:cs typeface="MV Boli" panose="02000500030200090000" pitchFamily="2" charset="0"/>
+              </a:rPr>
               <a:t>Carte de navigation</a:t>
             </a:r>
             <a:endParaRPr lang="fr-FR" b="1" u="sng" dirty="0">
@@ -6498,6 +7217,253 @@
     <p:extLst>
       <p:ext uri="{BB962C8B-B14F-4D97-AF65-F5344CB8AC3E}">
         <p14:creationId xmlns:p14="http://schemas.microsoft.com/office/powerpoint/2010/main" val="3031238282"/>
+      </p:ext>
+    </p:extLst>
+  </p:cSld>
+  <p:clrMapOvr>
+    <a:masterClrMapping/>
+  </p:clrMapOvr>
+  <p:timing>
+    <p:tnLst>
+      <p:par>
+        <p:cTn id="1" dur="indefinite" restart="never" nodeType="tmRoot"/>
+      </p:par>
+    </p:tnLst>
+  </p:timing>
+</p:sld>
+</file>
+
+<file path=ppt/slides/slide7.xml><?xml version="1.0" encoding="utf-8"?>
+<p:sld xmlns:a="http://schemas.openxmlformats.org/drawingml/2006/main" xmlns:r="http://schemas.openxmlformats.org/officeDocument/2006/relationships" xmlns:p="http://schemas.openxmlformats.org/presentationml/2006/main">
+  <p:cSld>
+    <p:spTree>
+      <p:nvGrpSpPr>
+        <p:cNvPr id="1" name=""/>
+        <p:cNvGrpSpPr/>
+        <p:nvPr/>
+      </p:nvGrpSpPr>
+      <p:grpSpPr>
+        <a:xfrm>
+          <a:off x="0" y="0"/>
+          <a:ext cx="0" cy="0"/>
+          <a:chOff x="0" y="0"/>
+          <a:chExt cx="0" cy="0"/>
+        </a:xfrm>
+      </p:grpSpPr>
+      <p:pic>
+        <p:nvPicPr>
+          <p:cNvPr id="5" name="Espace réservé du contenu 4"/>
+          <p:cNvPicPr>
+            <a:picLocks noGrp="1" noChangeAspect="1"/>
+          </p:cNvPicPr>
+          <p:nvPr>
+            <p:ph idx="1"/>
+          </p:nvPr>
+        </p:nvPicPr>
+        <p:blipFill>
+          <a:blip r:embed="rId2">
+            <a:extLst>
+              <a:ext uri="{28A0092B-C50C-407E-A947-70E740481C1C}">
+                <a14:useLocalDpi xmlns:a14="http://schemas.microsoft.com/office/drawing/2010/main" val="0"/>
+              </a:ext>
+            </a:extLst>
+          </a:blip>
+          <a:stretch>
+            <a:fillRect/>
+          </a:stretch>
+        </p:blipFill>
+        <p:spPr>
+          <a:xfrm>
+            <a:off x="2347620" y="1098292"/>
+            <a:ext cx="7587896" cy="5599069"/>
+          </a:xfrm>
+        </p:spPr>
+      </p:pic>
+      <p:pic>
+        <p:nvPicPr>
+          <p:cNvPr id="4" name="Image 3"/>
+          <p:cNvPicPr>
+            <a:picLocks noChangeAspect="1"/>
+          </p:cNvPicPr>
+          <p:nvPr/>
+        </p:nvPicPr>
+        <p:blipFill>
+          <a:blip r:embed="rId3">
+            <a:extLst>
+              <a:ext uri="{28A0092B-C50C-407E-A947-70E740481C1C}">
+                <a14:useLocalDpi xmlns:a14="http://schemas.microsoft.com/office/drawing/2010/main" val="0"/>
+              </a:ext>
+            </a:extLst>
+          </a:blip>
+          <a:stretch>
+            <a:fillRect/>
+          </a:stretch>
+        </p:blipFill>
+        <p:spPr>
+          <a:xfrm>
+            <a:off x="10675778" y="473652"/>
+            <a:ext cx="1352481" cy="1583749"/>
+          </a:xfrm>
+          <a:prstGeom prst="rect">
+            <a:avLst/>
+          </a:prstGeom>
+        </p:spPr>
+      </p:pic>
+    </p:spTree>
+    <p:extLst>
+      <p:ext uri="{BB962C8B-B14F-4D97-AF65-F5344CB8AC3E}">
+        <p14:creationId xmlns:p14="http://schemas.microsoft.com/office/powerpoint/2010/main" val="1633485706"/>
+      </p:ext>
+    </p:extLst>
+  </p:cSld>
+  <p:clrMapOvr>
+    <a:masterClrMapping/>
+  </p:clrMapOvr>
+  <p:timing>
+    <p:tnLst>
+      <p:par>
+        <p:cTn id="1" dur="indefinite" restart="never" nodeType="tmRoot"/>
+      </p:par>
+    </p:tnLst>
+  </p:timing>
+</p:sld>
+</file>
+
+<file path=ppt/slides/slide8.xml><?xml version="1.0" encoding="utf-8"?>
+<p:sld xmlns:a="http://schemas.openxmlformats.org/drawingml/2006/main" xmlns:r="http://schemas.openxmlformats.org/officeDocument/2006/relationships" xmlns:p="http://schemas.openxmlformats.org/presentationml/2006/main">
+  <p:cSld>
+    <p:spTree>
+      <p:nvGrpSpPr>
+        <p:cNvPr id="1" name=""/>
+        <p:cNvGrpSpPr/>
+        <p:nvPr/>
+      </p:nvGrpSpPr>
+      <p:grpSpPr>
+        <a:xfrm>
+          <a:off x="0" y="0"/>
+          <a:ext cx="0" cy="0"/>
+          <a:chOff x="0" y="0"/>
+          <a:chExt cx="0" cy="0"/>
+        </a:xfrm>
+      </p:grpSpPr>
+      <p:sp>
+        <p:nvSpPr>
+          <p:cNvPr id="2" name="Titre 1"/>
+          <p:cNvSpPr>
+            <a:spLocks noGrp="1"/>
+          </p:cNvSpPr>
+          <p:nvPr>
+            <p:ph type="title"/>
+          </p:nvPr>
+        </p:nvSpPr>
+        <p:spPr>
+          <a:xfrm>
+            <a:off x="3138617" y="811741"/>
+            <a:ext cx="6894610" cy="1245660"/>
+          </a:xfrm>
+        </p:spPr>
+        <p:txBody>
+          <a:bodyPr/>
+          <a:lstStyle/>
+          <a:p>
+            <a:r>
+              <a:rPr lang="fr-FR" b="1" u="sng" dirty="0" smtClean="0">
+                <a:latin typeface="MV Boli" panose="02000500030200090000" pitchFamily="2" charset="0"/>
+                <a:cs typeface="MV Boli" panose="02000500030200090000" pitchFamily="2" charset="0"/>
+              </a:rPr>
+              <a:t>Objectifs d’itération 1</a:t>
+            </a:r>
+            <a:endParaRPr lang="fr-FR" b="1" u="sng" dirty="0">
+              <a:latin typeface="MV Boli" panose="02000500030200090000" pitchFamily="2" charset="0"/>
+              <a:cs typeface="MV Boli" panose="02000500030200090000" pitchFamily="2" charset="0"/>
+            </a:endParaRPr>
+          </a:p>
+        </p:txBody>
+      </p:sp>
+      <p:sp>
+        <p:nvSpPr>
+          <p:cNvPr id="3" name="Espace réservé du contenu 2"/>
+          <p:cNvSpPr>
+            <a:spLocks noGrp="1"/>
+          </p:cNvSpPr>
+          <p:nvPr>
+            <p:ph idx="1"/>
+          </p:nvPr>
+        </p:nvSpPr>
+        <p:spPr/>
+        <p:txBody>
+          <a:bodyPr/>
+          <a:lstStyle/>
+          <a:p>
+            <a:pPr>
+              <a:lnSpc>
+                <a:spcPct val="300000"/>
+              </a:lnSpc>
+            </a:pPr>
+            <a:r>
+              <a:rPr lang="fr-FR" dirty="0" smtClean="0"/>
+              <a:t>Créer une carte</a:t>
+            </a:r>
+          </a:p>
+          <a:p>
+            <a:pPr>
+              <a:lnSpc>
+                <a:spcPct val="300000"/>
+              </a:lnSpc>
+            </a:pPr>
+            <a:r>
+              <a:rPr lang="fr-FR" dirty="0" smtClean="0"/>
+              <a:t>Intégration Bluetooth</a:t>
+            </a:r>
+          </a:p>
+          <a:p>
+            <a:pPr>
+              <a:lnSpc>
+                <a:spcPct val="300000"/>
+              </a:lnSpc>
+            </a:pPr>
+            <a:r>
+              <a:rPr lang="fr-FR" dirty="0" smtClean="0"/>
+              <a:t>Intégration du conteneur d’injection de dépendances</a:t>
+            </a:r>
+            <a:endParaRPr lang="fr-FR" dirty="0" smtClean="0"/>
+          </a:p>
+        </p:txBody>
+      </p:sp>
+      <p:pic>
+        <p:nvPicPr>
+          <p:cNvPr id="5" name="Image 4"/>
+          <p:cNvPicPr>
+            <a:picLocks noChangeAspect="1"/>
+          </p:cNvPicPr>
+          <p:nvPr/>
+        </p:nvPicPr>
+        <p:blipFill>
+          <a:blip r:embed="rId2">
+            <a:extLst>
+              <a:ext uri="{28A0092B-C50C-407E-A947-70E740481C1C}">
+                <a14:useLocalDpi xmlns:a14="http://schemas.microsoft.com/office/drawing/2010/main" val="0"/>
+              </a:ext>
+            </a:extLst>
+          </a:blip>
+          <a:stretch>
+            <a:fillRect/>
+          </a:stretch>
+        </p:blipFill>
+        <p:spPr>
+          <a:xfrm>
+            <a:off x="8775586" y="2194560"/>
+            <a:ext cx="2730614" cy="3197536"/>
+          </a:xfrm>
+          <a:prstGeom prst="rect">
+            <a:avLst/>
+          </a:prstGeom>
+        </p:spPr>
+      </p:pic>
+    </p:spTree>
+    <p:extLst>
+      <p:ext uri="{BB962C8B-B14F-4D97-AF65-F5344CB8AC3E}">
+        <p14:creationId xmlns:p14="http://schemas.microsoft.com/office/powerpoint/2010/main" val="4117835787"/>
       </p:ext>
     </p:extLst>
   </p:cSld>
